--- a/Programming Tutorial.pptx
+++ b/Programming Tutorial.pptx
@@ -684,7 +684,7 @@
           <a:p>
             <a:fld id="{041DCD43-2D46-4F8F-A5DD-26B42E953E0E}" type="datetimeFigureOut">
               <a:rPr lang="de-DE" smtClean="0"/>
-              <a:t>28.11.21</a:t>
+              <a:t>29.11.21</a:t>
             </a:fld>
             <a:endParaRPr lang="de-DE"/>
           </a:p>
@@ -6729,7 +6729,12 @@
             <p:ph type="subTitle" idx="1"/>
           </p:nvPr>
         </p:nvSpPr>
-        <p:spPr/>
+        <p:spPr>
+          <a:xfrm>
+            <a:off x="540000" y="2806096"/>
+            <a:ext cx="8064000" cy="427297"/>
+          </a:xfrm>
+        </p:spPr>
         <p:txBody>
           <a:bodyPr/>
           <a:lstStyle/>
@@ -6763,7 +6768,12 @@
             <p:ph type="body" sz="quarter" idx="13"/>
           </p:nvPr>
         </p:nvSpPr>
-        <p:spPr/>
+        <p:spPr>
+          <a:xfrm>
+            <a:off x="540000" y="3244753"/>
+            <a:ext cx="8064000" cy="427297"/>
+          </a:xfrm>
+        </p:spPr>
         <p:txBody>
           <a:bodyPr/>
           <a:lstStyle/>
@@ -6773,50 +6783,46 @@
               <a:t>A </a:t>
             </a:r>
             <a:r>
-              <a:rPr lang="de-DE" i="1" dirty="0" err="1"/>
-              <a:t>Better</a:t>
-            </a:r>
-            <a:r>
-              <a:rPr lang="de-DE" i="1" dirty="0"/>
+              <a:rPr lang="de-DE" i="1" dirty="0">
+                <a:hlinkClick r:id="rId3"/>
+              </a:rPr>
+              <a:t>Better with Scattering</a:t>
+            </a:r>
+            <a:r>
+              <a:rPr lang="de-DE" dirty="0"/>
               <a:t> </a:t>
             </a:r>
             <a:r>
-              <a:rPr lang="de-DE" i="1" dirty="0" err="1"/>
-              <a:t>with</a:t>
-            </a:r>
-            <a:r>
-              <a:rPr lang="de-DE" i="1" dirty="0"/>
-              <a:t> </a:t>
-            </a:r>
-            <a:r>
-              <a:rPr lang="de-DE" i="1" dirty="0" err="1"/>
-              <a:t>Scattering</a:t>
-            </a:r>
+              <a:rPr lang="de-DE" dirty="0" err="1"/>
+              <a:t>course</a:t>
+            </a:r>
+            <a:endParaRPr lang="de-DE" dirty="0"/>
+          </a:p>
+        </p:txBody>
+      </p:sp>
+      <p:sp>
+        <p:nvSpPr>
+          <p:cNvPr id="17" name="Textplatzhalter 16"/>
+          <p:cNvSpPr>
+            <a:spLocks noGrp="1"/>
+          </p:cNvSpPr>
+          <p:nvPr>
+            <p:ph type="body" sz="quarter" idx="15"/>
+          </p:nvPr>
+        </p:nvSpPr>
+        <p:spPr>
+          <a:xfrm>
+            <a:off x="539999" y="1708800"/>
+            <a:ext cx="1875210" cy="383051"/>
+          </a:xfrm>
+        </p:spPr>
+        <p:txBody>
+          <a:bodyPr/>
+          <a:lstStyle/>
+          <a:p>
             <a:r>
               <a:rPr lang="de-DE" dirty="0"/>
-              <a:t> Course</a:t>
-            </a:r>
-          </a:p>
-        </p:txBody>
-      </p:sp>
-      <p:sp>
-        <p:nvSpPr>
-          <p:cNvPr id="17" name="Textplatzhalter 16"/>
-          <p:cNvSpPr>
-            <a:spLocks noGrp="1"/>
-          </p:cNvSpPr>
-          <p:nvPr>
-            <p:ph type="body" sz="quarter" idx="15"/>
-          </p:nvPr>
-        </p:nvSpPr>
-        <p:spPr/>
-        <p:txBody>
-          <a:bodyPr/>
-          <a:lstStyle/>
-          <a:p>
-            <a:r>
-              <a:rPr lang="de-DE" dirty="0"/>
-              <a:t>29.11.2021</a:t>
+              <a:t>29. Nov. 2021</a:t>
             </a:r>
           </a:p>
         </p:txBody>
@@ -6837,8 +6843,8 @@
         </p:nvSpPr>
         <p:spPr>
           <a:xfrm>
-            <a:off x="540000" y="5344806"/>
-            <a:ext cx="4210904" cy="427297"/>
+            <a:off x="539999" y="5344806"/>
+            <a:ext cx="4588591" cy="427297"/>
           </a:xfrm>
           <a:prstGeom prst="rect">
             <a:avLst/>
@@ -7027,7 +7033,18 @@
               <a:rPr lang="en-GB" sz="1800" dirty="0" err="1"/>
               <a:t>Breßler</a:t>
             </a:r>
-            <a:endParaRPr lang="en-GB" sz="1800" dirty="0"/>
+            <a:r>
+              <a:rPr lang="en-GB" sz="1800" dirty="0"/>
+              <a:t> (</a:t>
+            </a:r>
+            <a:r>
+              <a:rPr lang="en-GB" sz="1800" dirty="0" err="1"/>
+              <a:t>Ingo.Bressler@bam.de</a:t>
+            </a:r>
+            <a:r>
+              <a:rPr lang="en-GB" sz="1800" dirty="0"/>
+              <a:t>)</a:t>
+            </a:r>
           </a:p>
         </p:txBody>
       </p:sp>
@@ -7075,7 +7092,7 @@
         </p:nvSpPr>
         <p:spPr>
           <a:xfrm>
-            <a:off x="2027581" y="3914687"/>
+            <a:off x="2222858" y="4481218"/>
             <a:ext cx="4601817" cy="1038312"/>
           </a:xfrm>
           <a:prstGeom prst="roundRect">
@@ -7132,7 +7149,7 @@
         </p:nvSpPr>
         <p:spPr>
           <a:xfrm>
-            <a:off x="2027581" y="4961607"/>
+            <a:off x="2222858" y="5528138"/>
             <a:ext cx="4601817" cy="681417"/>
           </a:xfrm>
           <a:prstGeom prst="roundRect">
@@ -7189,7 +7206,7 @@
         </p:nvSpPr>
         <p:spPr>
           <a:xfrm>
-            <a:off x="2027582" y="1517631"/>
+            <a:off x="2222859" y="2084162"/>
             <a:ext cx="4601817" cy="2388447"/>
           </a:xfrm>
           <a:prstGeom prst="roundRect">
@@ -7360,8 +7377,8 @@
         </p:nvSpPr>
         <p:spPr>
           <a:xfrm>
-            <a:off x="2124048" y="1517631"/>
-            <a:ext cx="4895904" cy="4644629"/>
+            <a:off x="2319325" y="2084162"/>
+            <a:ext cx="4505350" cy="4125393"/>
           </a:xfrm>
         </p:spPr>
         <p:txBody>
@@ -7376,28 +7393,8 @@
               <a:buAutoNum type="arabicPeriod"/>
             </a:pPr>
             <a:r>
-              <a:rPr lang="de-DE" b="1" dirty="0"/>
-              <a:t>Part: Python </a:t>
-            </a:r>
-            <a:r>
-              <a:rPr lang="de-DE" b="1" dirty="0" err="1"/>
-              <a:t>for</a:t>
-            </a:r>
-            <a:r>
-              <a:rPr lang="de-DE" b="1" dirty="0"/>
-              <a:t> </a:t>
-            </a:r>
-            <a:r>
-              <a:rPr lang="de-DE" b="1" dirty="0" err="1"/>
-              <a:t>scientific</a:t>
-            </a:r>
-            <a:r>
-              <a:rPr lang="de-DE" b="1" dirty="0"/>
-              <a:t> </a:t>
-            </a:r>
-            <a:r>
-              <a:rPr lang="de-DE" b="1" dirty="0" err="1"/>
-              <a:t>tasks</a:t>
+              <a:rPr lang="de-DE" b="1"/>
+              <a:t>Part:</a:t>
             </a:r>
             <a:endParaRPr lang="de-DE" b="1" dirty="0"/>
           </a:p>
@@ -7636,10 +7633,10 @@
       </p:sp>
       <p:sp>
         <p:nvSpPr>
-          <p:cNvPr id="2" name="TextBox 1">
+          <p:cNvPr id="4" name="TextBox 3">
             <a:extLst>
               <a:ext uri="{FF2B5EF4-FFF2-40B4-BE49-F238E27FC236}">
-                <a16:creationId xmlns:a16="http://schemas.microsoft.com/office/drawing/2014/main" id="{2BAF7998-2AD8-5A4A-A064-E2994238AF85}"/>
+                <a16:creationId xmlns:a16="http://schemas.microsoft.com/office/drawing/2014/main" id="{0FD3C464-6426-5443-AAF0-02CF520D3B10}"/>
               </a:ext>
             </a:extLst>
           </p:cNvPr>
@@ -7648,8 +7645,8 @@
         </p:nvSpPr>
         <p:spPr>
           <a:xfrm>
-            <a:off x="3349487" y="6609522"/>
-            <a:ext cx="0" cy="0"/>
+            <a:off x="2319325" y="1316765"/>
+            <a:ext cx="4379649" cy="758788"/>
           </a:xfrm>
           <a:prstGeom prst="rect">
             <a:avLst/>
@@ -7657,17 +7654,44 @@
           <a:noFill/>
         </p:spPr>
         <p:txBody>
-          <a:bodyPr wrap="none" lIns="0" tIns="0" rIns="0" bIns="0" rtlCol="0">
+          <a:bodyPr wrap="square" lIns="0" tIns="0" rIns="0" bIns="0" rtlCol="0">
             <a:noAutofit/>
           </a:bodyPr>
           <a:lstStyle/>
           <a:p>
             <a:pPr>
               <a:lnSpc>
-                <a:spcPts val="2100"/>
+                <a:spcPts val="2700"/>
               </a:lnSpc>
             </a:pPr>
-            <a:endParaRPr lang="en-DE" sz="1600" dirty="0"/>
+            <a:r>
+              <a:rPr lang="en-DE" b="1" dirty="0">
+                <a:solidFill>
+                  <a:schemeClr val="tx2"/>
+                </a:solidFill>
+              </a:rPr>
+              <a:t>3 parts à 1h</a:t>
+            </a:r>
+          </a:p>
+          <a:p>
+            <a:pPr lvl="1">
+              <a:lnSpc>
+                <a:spcPts val="2700"/>
+              </a:lnSpc>
+            </a:pPr>
+            <a:r>
+              <a:rPr lang="en-GB" dirty="0">
+                <a:solidFill>
+                  <a:schemeClr val="tx2"/>
+                </a:solidFill>
+              </a:rPr>
+              <a:t>interactive session, code along</a:t>
+            </a:r>
+            <a:endParaRPr lang="en-DE" dirty="0">
+              <a:solidFill>
+                <a:schemeClr val="tx2"/>
+              </a:solidFill>
+            </a:endParaRPr>
           </a:p>
         </p:txBody>
       </p:sp>
@@ -8695,6 +8719,256 @@
           </a:p>
         </p:txBody>
       </p:sp>
+      <p:sp>
+        <p:nvSpPr>
+          <p:cNvPr id="10" name="TextBox 9">
+            <a:extLst>
+              <a:ext uri="{FF2B5EF4-FFF2-40B4-BE49-F238E27FC236}">
+                <a16:creationId xmlns:a16="http://schemas.microsoft.com/office/drawing/2014/main" id="{72ECECBF-0964-C041-BA4E-E64BB1C64915}"/>
+              </a:ext>
+            </a:extLst>
+          </p:cNvPr>
+          <p:cNvSpPr txBox="1"/>
+          <p:nvPr/>
+        </p:nvSpPr>
+        <p:spPr>
+          <a:xfrm>
+            <a:off x="540000" y="1339596"/>
+            <a:ext cx="8064000" cy="5016816"/>
+          </a:xfrm>
+          <a:prstGeom prst="rect">
+            <a:avLst/>
+          </a:prstGeom>
+          <a:noFill/>
+        </p:spPr>
+        <p:txBody>
+          <a:bodyPr wrap="square" lIns="0" tIns="0" rIns="0" bIns="0" rtlCol="0">
+            <a:noAutofit/>
+          </a:bodyPr>
+          <a:lstStyle/>
+          <a:p>
+            <a:pPr marL="285750" indent="-285750">
+              <a:lnSpc>
+                <a:spcPts val="2220"/>
+              </a:lnSpc>
+              <a:buFont typeface="Arial" panose="020B0604020202020204" pitchFamily="34" charset="0"/>
+              <a:buChar char="•"/>
+            </a:pPr>
+            <a:endParaRPr lang="en-DE" sz="1600" b="1" dirty="0"/>
+          </a:p>
+          <a:p>
+            <a:pPr marL="285750" indent="-285750">
+              <a:lnSpc>
+                <a:spcPts val="2220"/>
+              </a:lnSpc>
+              <a:buFont typeface="Arial" panose="020B0604020202020204" pitchFamily="34" charset="0"/>
+              <a:buChar char="•"/>
+            </a:pPr>
+            <a:r>
+              <a:rPr lang="en-DE" sz="1600" b="1" dirty="0"/>
+              <a:t>Project Jupyter</a:t>
+            </a:r>
+            <a:br>
+              <a:rPr lang="en-DE" sz="1600" b="1" dirty="0"/>
+            </a:br>
+            <a:r>
+              <a:rPr lang="en-GB" sz="1600" dirty="0">
+                <a:hlinkClick r:id="rId2"/>
+              </a:rPr>
+              <a:t>jupyter.org</a:t>
+            </a:r>
+            <a:endParaRPr lang="en-DE" sz="1600" dirty="0"/>
+          </a:p>
+          <a:p>
+            <a:pPr marL="285750" indent="-285750">
+              <a:lnSpc>
+                <a:spcPts val="2220"/>
+              </a:lnSpc>
+              <a:buFont typeface="Arial" panose="020B0604020202020204" pitchFamily="34" charset="0"/>
+              <a:buChar char="•"/>
+            </a:pPr>
+            <a:r>
+              <a:rPr lang="en-DE" sz="1600" b="1" dirty="0"/>
+              <a:t>Anaconda Package with Jupyter Lab:</a:t>
+            </a:r>
+            <a:br>
+              <a:rPr lang="en-DE" sz="1600" dirty="0"/>
+            </a:br>
+            <a:r>
+              <a:rPr lang="en-GB" sz="1600" dirty="0">
+                <a:hlinkClick r:id="rId3"/>
+              </a:rPr>
+              <a:t>www.anaconda.com/products/individual</a:t>
+            </a:r>
+            <a:endParaRPr lang="en-DE" sz="1600" dirty="0"/>
+          </a:p>
+          <a:p>
+            <a:pPr marL="285750" indent="-285750">
+              <a:lnSpc>
+                <a:spcPts val="2220"/>
+              </a:lnSpc>
+              <a:buFont typeface="Arial" panose="020B0604020202020204" pitchFamily="34" charset="0"/>
+              <a:buChar char="•"/>
+            </a:pPr>
+            <a:r>
+              <a:rPr lang="en-DE" sz="1600" b="1" dirty="0"/>
+              <a:t>Pure Python Interpreter:</a:t>
+            </a:r>
+            <a:br>
+              <a:rPr lang="en-DE" sz="1600" dirty="0"/>
+            </a:br>
+            <a:r>
+              <a:rPr lang="en-GB" sz="1600" dirty="0">
+                <a:hlinkClick r:id="rId4"/>
+              </a:rPr>
+              <a:t>www.python.org</a:t>
+            </a:r>
+            <a:endParaRPr lang="en-GB" sz="1600" dirty="0"/>
+          </a:p>
+          <a:p>
+            <a:pPr marL="285750" indent="-285750">
+              <a:lnSpc>
+                <a:spcPts val="2220"/>
+              </a:lnSpc>
+              <a:buFont typeface="Arial" panose="020B0604020202020204" pitchFamily="34" charset="0"/>
+              <a:buChar char="•"/>
+            </a:pPr>
+            <a:r>
+              <a:rPr lang="en-DE" sz="1600" b="1" dirty="0"/>
+              <a:t>Course Material:</a:t>
+            </a:r>
+          </a:p>
+          <a:p>
+            <a:pPr marL="285750" indent="-285750">
+              <a:lnSpc>
+                <a:spcPts val="2220"/>
+              </a:lnSpc>
+              <a:buFont typeface="Arial" panose="020B0604020202020204" pitchFamily="34" charset="0"/>
+              <a:buChar char="•"/>
+            </a:pPr>
+            <a:r>
+              <a:rPr lang="en-GB" sz="1600" dirty="0">
+                <a:hlinkClick r:id="rId5"/>
+              </a:rPr>
+              <a:t>github.com/BAMresearch/jupyter_tutorial_sas</a:t>
+            </a:r>
+            <a:endParaRPr lang="en-DE" sz="1600" dirty="0"/>
+          </a:p>
+          <a:p>
+            <a:pPr marL="285750" indent="-285750">
+              <a:lnSpc>
+                <a:spcPts val="2220"/>
+              </a:lnSpc>
+              <a:buFont typeface="Arial" panose="020B0604020202020204" pitchFamily="34" charset="0"/>
+              <a:buChar char="•"/>
+            </a:pPr>
+            <a:r>
+              <a:rPr lang="en-DE" sz="1600" b="1" dirty="0"/>
+              <a:t>Documentation</a:t>
+            </a:r>
+          </a:p>
+          <a:p>
+            <a:pPr marL="742950" lvl="1" indent="-285750">
+              <a:lnSpc>
+                <a:spcPts val="2220"/>
+              </a:lnSpc>
+              <a:buFont typeface="Arial" panose="020B0604020202020204" pitchFamily="34" charset="0"/>
+              <a:buChar char="•"/>
+            </a:pPr>
+            <a:r>
+              <a:rPr lang="en-GB" sz="1600" b="1" dirty="0" err="1"/>
+              <a:t>Py</a:t>
+            </a:r>
+            <a:r>
+              <a:rPr lang="en-DE" sz="1600" b="1" dirty="0"/>
+              <a:t>thon and builtins:</a:t>
+            </a:r>
+            <a:br>
+              <a:rPr lang="en-DE" sz="1600" dirty="0"/>
+            </a:br>
+            <a:r>
+              <a:rPr lang="en-GB" sz="1600" dirty="0">
+                <a:hlinkClick r:id="rId6"/>
+              </a:rPr>
+              <a:t>docs.python.org/3/library</a:t>
+            </a:r>
+            <a:endParaRPr lang="en-DE" sz="1600" dirty="0"/>
+          </a:p>
+          <a:p>
+            <a:pPr marL="742950" lvl="1" indent="-285750">
+              <a:lnSpc>
+                <a:spcPts val="2220"/>
+              </a:lnSpc>
+              <a:buFont typeface="Arial" panose="020B0604020202020204" pitchFamily="34" charset="0"/>
+              <a:buChar char="•"/>
+            </a:pPr>
+            <a:r>
+              <a:rPr lang="en-GB" sz="1600" b="1" dirty="0" err="1"/>
+              <a:t>Numpy</a:t>
+            </a:r>
+            <a:r>
+              <a:rPr lang="en-GB" sz="1600" b="1" dirty="0"/>
+              <a:t>:</a:t>
+            </a:r>
+            <a:br>
+              <a:rPr lang="en-GB" sz="1600" dirty="0"/>
+            </a:br>
+            <a:r>
+              <a:rPr lang="en-GB" sz="1600" dirty="0">
+                <a:hlinkClick r:id="rId7"/>
+              </a:rPr>
+              <a:t>numpy.org/doc/stable</a:t>
+            </a:r>
+            <a:endParaRPr lang="en-GB" sz="1600" dirty="0"/>
+          </a:p>
+          <a:p>
+            <a:pPr marL="742950" lvl="1" indent="-285750">
+              <a:lnSpc>
+                <a:spcPts val="2220"/>
+              </a:lnSpc>
+              <a:buFont typeface="Arial" panose="020B0604020202020204" pitchFamily="34" charset="0"/>
+              <a:buChar char="•"/>
+            </a:pPr>
+            <a:r>
+              <a:rPr lang="en-GB" sz="1600" b="1" dirty="0"/>
+              <a:t>Pandas:</a:t>
+            </a:r>
+            <a:br>
+              <a:rPr lang="en-GB" sz="1600" dirty="0"/>
+            </a:br>
+            <a:r>
+              <a:rPr lang="en-GB" sz="1600" dirty="0">
+                <a:hlinkClick r:id="rId8"/>
+              </a:rPr>
+              <a:t>pandas.pydata.org/pandas-docs/stable/index.html</a:t>
+            </a:r>
+            <a:endParaRPr lang="en-GB" sz="1600" dirty="0"/>
+          </a:p>
+          <a:p>
+            <a:pPr marL="742950" lvl="1" indent="-285750">
+              <a:lnSpc>
+                <a:spcPts val="2220"/>
+              </a:lnSpc>
+              <a:buFont typeface="Arial" panose="020B0604020202020204" pitchFamily="34" charset="0"/>
+              <a:buChar char="•"/>
+            </a:pPr>
+            <a:r>
+              <a:rPr lang="en-GB" sz="1600" b="1" dirty="0"/>
+              <a:t>Matplotlib:</a:t>
+            </a:r>
+            <a:br>
+              <a:rPr lang="en-GB" sz="1600" dirty="0"/>
+            </a:br>
+            <a:r>
+              <a:rPr lang="en-GB" sz="1600" dirty="0">
+                <a:hlinkClick r:id="rId9"/>
+              </a:rPr>
+              <a:t>matplotlib.org/stable</a:t>
+            </a:r>
+            <a:endParaRPr lang="en-DE" sz="1600" dirty="0"/>
+          </a:p>
+        </p:txBody>
+      </p:sp>
     </p:spTree>
     <p:extLst>
       <p:ext uri="{BB962C8B-B14F-4D97-AF65-F5344CB8AC3E}">
@@ -8906,10 +9180,10 @@
       </p:sp>
       <p:sp>
         <p:nvSpPr>
-          <p:cNvPr id="13" name="TextBox 12">
+          <p:cNvPr id="10" name="TextBox 9">
             <a:extLst>
               <a:ext uri="{FF2B5EF4-FFF2-40B4-BE49-F238E27FC236}">
-                <a16:creationId xmlns:a16="http://schemas.microsoft.com/office/drawing/2014/main" id="{2458BF2D-3773-CB45-82D5-227A40485688}"/>
+                <a16:creationId xmlns:a16="http://schemas.microsoft.com/office/drawing/2014/main" id="{EDDA6706-BCE6-874F-8D14-901A2BF571E0}"/>
               </a:ext>
             </a:extLst>
           </p:cNvPr>
@@ -8927,204 +9201,20 @@
           <a:noFill/>
         </p:spPr>
         <p:txBody>
-          <a:bodyPr wrap="square" lIns="0" tIns="0" rIns="0" bIns="0" rtlCol="0">
+          <a:bodyPr wrap="square" lIns="0" tIns="0" rIns="0" bIns="0" rtlCol="0" anchor="ctr">
             <a:noAutofit/>
           </a:bodyPr>
           <a:lstStyle/>
           <a:p>
-            <a:pPr marL="285750" indent="-285750">
+            <a:pPr algn="ctr">
               <a:lnSpc>
                 <a:spcPts val="2220"/>
               </a:lnSpc>
-              <a:buFont typeface="Arial" panose="020B0604020202020204" pitchFamily="34" charset="0"/>
-              <a:buChar char="•"/>
             </a:pPr>
-            <a:endParaRPr lang="en-DE" sz="1600" b="1" dirty="0"/>
-          </a:p>
-          <a:p>
-            <a:pPr marL="285750" indent="-285750">
-              <a:lnSpc>
-                <a:spcPts val="2220"/>
-              </a:lnSpc>
-              <a:buFont typeface="Arial" panose="020B0604020202020204" pitchFamily="34" charset="0"/>
-              <a:buChar char="•"/>
-            </a:pPr>
-            <a:r>
-              <a:rPr lang="en-DE" sz="1600" b="1" dirty="0"/>
-              <a:t>Project Jupyter</a:t>
-            </a:r>
-            <a:br>
-              <a:rPr lang="en-DE" sz="1600" b="1" dirty="0"/>
-            </a:br>
-            <a:r>
-              <a:rPr lang="en-GB" sz="1600" dirty="0">
-                <a:hlinkClick r:id="rId2"/>
-              </a:rPr>
-              <a:t>https://jupyter.org</a:t>
-            </a:r>
-            <a:endParaRPr lang="en-DE" sz="1600" dirty="0"/>
-          </a:p>
-          <a:p>
-            <a:pPr marL="285750" indent="-285750">
-              <a:lnSpc>
-                <a:spcPts val="2220"/>
-              </a:lnSpc>
-              <a:buFont typeface="Arial" panose="020B0604020202020204" pitchFamily="34" charset="0"/>
-              <a:buChar char="•"/>
-            </a:pPr>
-            <a:r>
-              <a:rPr lang="en-DE" sz="1600" b="1" dirty="0"/>
-              <a:t>Pure Python Interpreter:</a:t>
-            </a:r>
-            <a:br>
-              <a:rPr lang="en-DE" sz="1600" dirty="0"/>
-            </a:br>
-            <a:r>
-              <a:rPr lang="en-GB" sz="1600" dirty="0">
-                <a:hlinkClick r:id="rId3"/>
-              </a:rPr>
-              <a:t>https://www.python.org</a:t>
-            </a:r>
-            <a:endParaRPr lang="en-DE" sz="1600" dirty="0"/>
-          </a:p>
-          <a:p>
-            <a:pPr marL="285750" indent="-285750">
-              <a:lnSpc>
-                <a:spcPts val="2220"/>
-              </a:lnSpc>
-              <a:buFont typeface="Arial" panose="020B0604020202020204" pitchFamily="34" charset="0"/>
-              <a:buChar char="•"/>
-            </a:pPr>
-            <a:r>
-              <a:rPr lang="en-DE" sz="1600" b="1" dirty="0"/>
-              <a:t>Anaconda Package with Jupyter Lab:</a:t>
-            </a:r>
-            <a:br>
-              <a:rPr lang="en-DE" sz="1600" dirty="0"/>
-            </a:br>
-            <a:r>
-              <a:rPr lang="en-GB" sz="1600" dirty="0">
-                <a:hlinkClick r:id="rId4"/>
-              </a:rPr>
-              <a:t>https://www.anaconda.com/products/individual</a:t>
-            </a:r>
-            <a:endParaRPr lang="en-DE" sz="1600" dirty="0"/>
-          </a:p>
-          <a:p>
-            <a:pPr marL="285750" indent="-285750">
-              <a:lnSpc>
-                <a:spcPts val="2220"/>
-              </a:lnSpc>
-              <a:spcAft>
-                <a:spcPts val="600"/>
-              </a:spcAft>
-              <a:buFont typeface="Arial" panose="020B0604020202020204" pitchFamily="34" charset="0"/>
-              <a:buChar char="•"/>
-            </a:pPr>
-            <a:r>
-              <a:rPr lang="en-DE" sz="1600" b="1" dirty="0"/>
-              <a:t>Documentation</a:t>
-            </a:r>
-          </a:p>
-          <a:p>
-            <a:pPr marL="742950" lvl="1" indent="-285750">
-              <a:lnSpc>
-                <a:spcPts val="2220"/>
-              </a:lnSpc>
-              <a:buFont typeface="Arial" panose="020B0604020202020204" pitchFamily="34" charset="0"/>
-              <a:buChar char="•"/>
-            </a:pPr>
-            <a:r>
-              <a:rPr lang="en-GB" sz="1600" b="1" dirty="0" err="1"/>
-              <a:t>Py</a:t>
-            </a:r>
-            <a:r>
-              <a:rPr lang="en-DE" sz="1600" b="1" dirty="0"/>
-              <a:t>thon and builtins:</a:t>
-            </a:r>
-            <a:br>
-              <a:rPr lang="en-DE" sz="1600" dirty="0"/>
-            </a:br>
-            <a:r>
-              <a:rPr lang="en-GB" sz="1600" dirty="0">
-                <a:hlinkClick r:id="rId5"/>
-              </a:rPr>
-              <a:t>https://docs.python.org/3/library/</a:t>
-            </a:r>
-            <a:endParaRPr lang="en-DE" sz="1600" dirty="0"/>
-          </a:p>
-          <a:p>
-            <a:pPr marL="742950" lvl="1" indent="-285750">
-              <a:lnSpc>
-                <a:spcPts val="2220"/>
-              </a:lnSpc>
-              <a:buFont typeface="Arial" panose="020B0604020202020204" pitchFamily="34" charset="0"/>
-              <a:buChar char="•"/>
-            </a:pPr>
-            <a:r>
-              <a:rPr lang="en-GB" sz="1600" b="1" dirty="0" err="1"/>
-              <a:t>Numpy</a:t>
-            </a:r>
-            <a:r>
-              <a:rPr lang="en-GB" sz="1600" b="1" dirty="0"/>
-              <a:t>:</a:t>
-            </a:r>
-            <a:br>
-              <a:rPr lang="en-GB" sz="1600" dirty="0"/>
-            </a:br>
-            <a:r>
-              <a:rPr lang="en-GB" sz="1600" dirty="0">
-                <a:hlinkClick r:id="rId6"/>
-              </a:rPr>
-              <a:t>https://numpy.org/doc/stable</a:t>
-            </a:r>
-            <a:endParaRPr lang="en-GB" sz="1600" dirty="0"/>
-          </a:p>
-          <a:p>
-            <a:pPr marL="742950" lvl="1" indent="-285750">
-              <a:lnSpc>
-                <a:spcPts val="2220"/>
-              </a:lnSpc>
-              <a:buFont typeface="Arial" panose="020B0604020202020204" pitchFamily="34" charset="0"/>
-              <a:buChar char="•"/>
-            </a:pPr>
-            <a:r>
-              <a:rPr lang="en-GB" sz="1600" b="1" dirty="0"/>
-              <a:t>Pandas:</a:t>
-            </a:r>
-            <a:br>
-              <a:rPr lang="en-GB" sz="1600" dirty="0"/>
-            </a:br>
-            <a:r>
-              <a:rPr lang="en-GB" sz="1600" dirty="0">
-                <a:hlinkClick r:id="rId7"/>
-              </a:rPr>
-              <a:t>https://pandas.pydata.org/pandas-docs/stable/index.html</a:t>
-            </a:r>
-            <a:endParaRPr lang="en-GB" sz="1600" dirty="0"/>
-          </a:p>
-          <a:p>
-            <a:pPr marL="742950" lvl="1" indent="-285750">
-              <a:lnSpc>
-                <a:spcPts val="2220"/>
-              </a:lnSpc>
-              <a:buFont typeface="Arial" panose="020B0604020202020204" pitchFamily="34" charset="0"/>
-              <a:buChar char="•"/>
-            </a:pPr>
-            <a:r>
-              <a:rPr lang="en-GB" sz="1600" b="1" dirty="0"/>
-              <a:t>Matplotlib:</a:t>
-            </a:r>
-            <a:br>
-              <a:rPr lang="en-GB" sz="1600" dirty="0"/>
-            </a:br>
-            <a:r>
-              <a:rPr lang="en-GB" sz="1600" dirty="0">
-                <a:hlinkClick r:id="rId8"/>
-              </a:rPr>
-              <a:t>https://matplotlib.org/stable</a:t>
-            </a:r>
-            <a:endParaRPr lang="en-DE" sz="1600" dirty="0"/>
+            <a:r>
+              <a:rPr lang="en-DE" sz="4000" b="1" dirty="0"/>
+              <a:t>Happy Coding!</a:t>
+            </a:r>
           </a:p>
         </p:txBody>
       </p:sp>

--- a/Programming Tutorial.pptx
+++ b/Programming Tutorial.pptx
@@ -684,7 +684,7 @@
           <a:p>
             <a:fld id="{041DCD43-2D46-4F8F-A5DD-26B42E953E0E}" type="datetimeFigureOut">
               <a:rPr lang="de-DE" smtClean="0"/>
-              <a:t>29.11.21</a:t>
+              <a:t>01.12.21</a:t>
             </a:fld>
             <a:endParaRPr lang="de-DE"/>
           </a:p>
@@ -7093,7 +7093,7 @@
         <p:spPr>
           <a:xfrm>
             <a:off x="2222858" y="4481218"/>
-            <a:ext cx="4601817" cy="1038312"/>
+            <a:ext cx="4601817" cy="681417"/>
           </a:xfrm>
           <a:prstGeom prst="roundRect">
             <a:avLst>
@@ -7149,8 +7149,8 @@
         </p:nvSpPr>
         <p:spPr>
           <a:xfrm>
-            <a:off x="2222858" y="5528138"/>
-            <a:ext cx="4601817" cy="681417"/>
+            <a:off x="2222858" y="5171244"/>
+            <a:ext cx="4601817" cy="1038311"/>
           </a:xfrm>
           <a:prstGeom prst="roundRect">
             <a:avLst>
@@ -7393,10 +7393,9 @@
               <a:buAutoNum type="arabicPeriod"/>
             </a:pPr>
             <a:r>
-              <a:rPr lang="de-DE" b="1"/>
+              <a:rPr lang="de-DE" b="1" dirty="0"/>
               <a:t>Part:</a:t>
             </a:r>
-            <a:endParaRPr lang="de-DE" b="1" dirty="0"/>
           </a:p>
           <a:p>
             <a:pPr marL="612900" lvl="1" indent="-342900">
@@ -7565,26 +7564,6 @@
             <a:endParaRPr lang="de-DE" b="1" dirty="0"/>
           </a:p>
           <a:p>
-            <a:pPr marL="612900" lvl="1" indent="-342900">
-              <a:lnSpc>
-                <a:spcPts val="2700"/>
-              </a:lnSpc>
-            </a:pPr>
-            <a:r>
-              <a:rPr lang="de-DE" dirty="0" err="1"/>
-              <a:t>Implement</a:t>
-            </a:r>
-            <a:r>
-              <a:rPr lang="de-DE" dirty="0"/>
-              <a:t> a SAS </a:t>
-            </a:r>
-            <a:r>
-              <a:rPr lang="de-DE" dirty="0" err="1"/>
-              <a:t>model</a:t>
-            </a:r>
-            <a:endParaRPr lang="de-DE" dirty="0"/>
-          </a:p>
-          <a:p>
             <a:pPr marL="342900" indent="-342900">
               <a:lnSpc>
                 <a:spcPts val="2700"/>
@@ -7596,6 +7575,26 @@
               <a:rPr lang="de-DE" b="1" dirty="0"/>
               <a:t>Part:</a:t>
             </a:r>
+          </a:p>
+          <a:p>
+            <a:pPr marL="612900" lvl="1" indent="-342900">
+              <a:lnSpc>
+                <a:spcPts val="2700"/>
+              </a:lnSpc>
+            </a:pPr>
+            <a:r>
+              <a:rPr lang="de-DE" dirty="0" err="1"/>
+              <a:t>Implement</a:t>
+            </a:r>
+            <a:r>
+              <a:rPr lang="de-DE" dirty="0"/>
+              <a:t> a SAS </a:t>
+            </a:r>
+            <a:r>
+              <a:rPr lang="de-DE" dirty="0" err="1"/>
+              <a:t>model</a:t>
+            </a:r>
+            <a:endParaRPr lang="de-DE" dirty="0"/>
           </a:p>
           <a:p>
             <a:pPr marL="612900" lvl="1" indent="-342900">
